--- a/docs/stopsignal/Images.pptx
+++ b/docs/stopsignal/Images.pptx
@@ -14,6 +14,7 @@
     <p:sldId id="262" r:id="rId8"/>
     <p:sldId id="263" r:id="rId9"/>
     <p:sldId id="264" r:id="rId10"/>
+    <p:sldId id="265" r:id="rId11"/>
   </p:sldIdLst>
   <p:sldSz cx="12192000" cy="6858000"/>
   <p:notesSz cx="6858000" cy="9144000"/>
@@ -620,6 +621,124 @@
 </p:sld>
 </file>
 
+<file path=ppt/slides/slide10.xml><?xml version="1.0" encoding="utf-8"?>
+<p:sld xmlns:a="http://schemas.openxmlformats.org/drawingml/2006/main" xmlns:r="http://schemas.openxmlformats.org/officeDocument/2006/relationships" xmlns:p="http://schemas.openxmlformats.org/presentationml/2006/main">
+  <p:cSld>
+    <p:spTree>
+      <p:nvGrpSpPr>
+        <p:cNvPr id="1" name=""/>
+        <p:cNvGrpSpPr/>
+        <p:nvPr/>
+      </p:nvGrpSpPr>
+      <p:grpSpPr>
+        <a:xfrm>
+          <a:off x="0" y="0"/>
+          <a:ext cx="0" cy="0"/>
+          <a:chOff x="0" y="0"/>
+          <a:chExt cx="0" cy="0"/>
+        </a:xfrm>
+      </p:grpSpPr>
+      <p:sp>
+        <p:nvSpPr>
+          <p:cNvPr id="2" name="TextBox 1">
+            <a:extLst>
+              <a:ext uri="{FF2B5EF4-FFF2-40B4-BE49-F238E27FC236}">
+                <a16:creationId xmlns:a16="http://schemas.microsoft.com/office/drawing/2014/main" id="{AF388601-D0F5-FFE8-CB40-EB018A70D49F}"/>
+              </a:ext>
+            </a:extLst>
+          </p:cNvPr>
+          <p:cNvSpPr txBox="1"/>
+          <p:nvPr/>
+        </p:nvSpPr>
+        <p:spPr>
+          <a:xfrm>
+            <a:off x="646761" y="286140"/>
+            <a:ext cx="10898477" cy="6268639"/>
+          </a:xfrm>
+          <a:prstGeom prst="rect">
+            <a:avLst/>
+          </a:prstGeom>
+          <a:noFill/>
+        </p:spPr>
+        <p:txBody>
+          <a:bodyPr wrap="square" rtlCol="0">
+            <a:spAutoFit/>
+          </a:bodyPr>
+          <a:lstStyle/>
+          <a:p>
+            <a:pPr algn="ctr"/>
+            <a:r>
+              <a:rPr lang="en-GB" sz="4000" b="1" dirty="0"/>
+              <a:t>Instructions</a:t>
+            </a:r>
+          </a:p>
+          <a:p>
+            <a:pPr marL="285750" indent="-285750">
+              <a:lnSpc>
+                <a:spcPct val="110000"/>
+              </a:lnSpc>
+              <a:buFont typeface="Arial" panose="020B0604020202020204" pitchFamily="34" charset="0"/>
+              <a:buChar char="•"/>
+            </a:pPr>
+            <a:r>
+              <a:rPr lang="en-GB" sz="3000" dirty="0"/>
+              <a:t>In this task, you must respond as quickly and accurately as possible to a left or right-pointing arrow. You respond by pressing the keys of your pad with your left and right index fingers, respectively. </a:t>
+            </a:r>
+          </a:p>
+          <a:p>
+            <a:pPr marL="285750" indent="-285750">
+              <a:lnSpc>
+                <a:spcPct val="110000"/>
+              </a:lnSpc>
+              <a:buFont typeface="Arial" panose="020B0604020202020204" pitchFamily="34" charset="0"/>
+              <a:buChar char="•"/>
+            </a:pPr>
+            <a:r>
+              <a:rPr lang="en-GB" sz="3000" dirty="0"/>
+              <a:t>You have only up to half a second to respond, which is very short, so you must be ready for the task, which requires your full attention.</a:t>
+            </a:r>
+          </a:p>
+          <a:p>
+            <a:pPr marL="285750" indent="-285750">
+              <a:lnSpc>
+                <a:spcPct val="110000"/>
+              </a:lnSpc>
+              <a:buFont typeface="Arial" panose="020B0604020202020204" pitchFamily="34" charset="0"/>
+              <a:buChar char="•"/>
+            </a:pPr>
+            <a:r>
+              <a:rPr lang="en-GB" sz="3000" dirty="0"/>
+              <a:t>However, if you see a RED CIRCLE, you should NOT RESPOND!</a:t>
+            </a:r>
+          </a:p>
+          <a:p>
+            <a:pPr marL="285750" indent="-285750">
+              <a:lnSpc>
+                <a:spcPct val="110000"/>
+              </a:lnSpc>
+              <a:buFont typeface="Arial" panose="020B0604020202020204" pitchFamily="34" charset="0"/>
+              <a:buChar char="•"/>
+            </a:pPr>
+            <a:r>
+              <a:rPr lang="en-GB" sz="3000" dirty="0"/>
+              <a:t>It seems easy, but it is actually very difficult. Additionally, the computer will adjust the task speed based on your performance during the task; this means that sometimes, it will be difficult for you not to respond. </a:t>
+            </a:r>
+          </a:p>
+        </p:txBody>
+      </p:sp>
+    </p:spTree>
+    <p:extLst>
+      <p:ext uri="{BB962C8B-B14F-4D97-AF65-F5344CB8AC3E}">
+        <p14:creationId xmlns:p14="http://schemas.microsoft.com/office/powerpoint/2010/main" val="3297780617"/>
+      </p:ext>
+    </p:extLst>
+  </p:cSld>
+  <p:clrMapOvr>
+    <a:masterClrMapping/>
+  </p:clrMapOvr>
+</p:sld>
+</file>
+
 <file path=ppt/slides/slide2.xml><?xml version="1.0" encoding="utf-8"?>
 <p:sld xmlns:a="http://schemas.openxmlformats.org/drawingml/2006/main" xmlns:r="http://schemas.openxmlformats.org/officeDocument/2006/relationships" xmlns:p="http://schemas.openxmlformats.org/presentationml/2006/main">
   <p:cSld>
@@ -1104,8 +1223,8 @@
         </p:nvSpPr>
         <p:spPr>
           <a:xfrm>
-            <a:off x="662152" y="656255"/>
-            <a:ext cx="10898477" cy="5361468"/>
+            <a:off x="646761" y="286140"/>
+            <a:ext cx="10898477" cy="6268639"/>
           </a:xfrm>
           <a:prstGeom prst="rect">
             <a:avLst/>
@@ -1120,94 +1239,60 @@
           <a:p>
             <a:pPr algn="ctr"/>
             <a:r>
-              <a:rPr lang="en-GB" sz="3200" b="1" dirty="0"/>
+              <a:rPr lang="en-GB" sz="4000" b="1" dirty="0"/>
               <a:t>Instructions</a:t>
             </a:r>
           </a:p>
           <a:p>
             <a:pPr marL="285750" indent="-285750">
               <a:lnSpc>
-                <a:spcPct val="120000"/>
+                <a:spcPct val="110000"/>
               </a:lnSpc>
               <a:buFont typeface="Arial" panose="020B0604020202020204" pitchFamily="34" charset="0"/>
               <a:buChar char="•"/>
             </a:pPr>
             <a:r>
-              <a:rPr lang="en-GB" sz="2000" dirty="0"/>
-              <a:t>In this task, you need to respond as fast and accurately as you possibly can to a left or right-pointing arrows. You respond by pressing the keys of your pad with your left and right index fingers, respectively. </a:t>
+              <a:rPr lang="en-GB" sz="3000" dirty="0"/>
+              <a:t>In this task, you must respond as quickly and accurately as possible to a left or right-pointing arrow. You respond by pressing the keys of your pad with your left and right index fingers, respectively. </a:t>
             </a:r>
           </a:p>
           <a:p>
             <a:pPr marL="285750" indent="-285750">
               <a:lnSpc>
-                <a:spcPct val="120000"/>
+                <a:spcPct val="110000"/>
               </a:lnSpc>
               <a:buFont typeface="Arial" panose="020B0604020202020204" pitchFamily="34" charset="0"/>
               <a:buChar char="•"/>
             </a:pPr>
             <a:r>
-              <a:rPr lang="en-GB" sz="2000" dirty="0"/>
-              <a:t>You have only up to half a second (500 </a:t>
-            </a:r>
-            <a:r>
-              <a:rPr lang="en-GB" sz="2000" dirty="0" err="1"/>
-              <a:t>ms</a:t>
-            </a:r>
-            <a:r>
-              <a:rPr lang="en-GB" sz="2000" dirty="0"/>
-              <a:t>) to respond, which is very short, so you must be ready for the task, which requires your full attention.</a:t>
+              <a:rPr lang="en-GB" sz="3000" dirty="0"/>
+              <a:t>You have only up to half a second to respond, which is very short, so you must be ready for the task, which requires your full attention.</a:t>
             </a:r>
           </a:p>
           <a:p>
             <a:pPr marL="285750" indent="-285750">
               <a:lnSpc>
-                <a:spcPct val="120000"/>
+                <a:spcPct val="110000"/>
               </a:lnSpc>
               <a:buFont typeface="Arial" panose="020B0604020202020204" pitchFamily="34" charset="0"/>
               <a:buChar char="•"/>
             </a:pPr>
             <a:r>
-              <a:rPr lang="en-GB" sz="2000" dirty="0"/>
-              <a:t>The first block is a training block that allows you to get acquainted with the task and do some training before the real test starts.</a:t>
+              <a:rPr lang="en-GB" sz="3000" dirty="0"/>
+              <a:t>However, if you hear a SOUND, you should NOT RESPOND!</a:t>
             </a:r>
           </a:p>
           <a:p>
             <a:pPr marL="285750" indent="-285750">
               <a:lnSpc>
-                <a:spcPct val="120000"/>
+                <a:spcPct val="110000"/>
               </a:lnSpc>
               <a:buFont typeface="Arial" panose="020B0604020202020204" pitchFamily="34" charset="0"/>
               <a:buChar char="•"/>
             </a:pPr>
             <a:r>
-              <a:rPr lang="en-GB" sz="2000" dirty="0"/>
-              <a:t>Congratulations! You have done very well so far. Now, we will do the real task. You will continue doing the same task, but if you hear a sound, you should NOT RESPOND!</a:t>
-            </a:r>
-          </a:p>
-          <a:p>
-            <a:pPr marL="285750" indent="-285750">
-              <a:lnSpc>
-                <a:spcPct val="120000"/>
-              </a:lnSpc>
-              <a:buFont typeface="Arial" panose="020B0604020202020204" pitchFamily="34" charset="0"/>
-              <a:buChar char="•"/>
-            </a:pPr>
-            <a:r>
-              <a:rPr lang="en-GB" sz="2000" dirty="0"/>
-              <a:t>It seems easy, but it is actually very difficult. Additionally, the task speed will be adjusted by the computer based on your performance during the task; this means that sometimes it will be difficult for you not to respond. </a:t>
-            </a:r>
-          </a:p>
-          <a:p>
-            <a:pPr marL="285750" indent="-285750">
-              <a:lnSpc>
-                <a:spcPct val="120000"/>
-              </a:lnSpc>
-              <a:buFont typeface="Arial" panose="020B0604020202020204" pitchFamily="34" charset="0"/>
-              <a:buChar char="•"/>
-            </a:pPr>
-            <a:r>
-              <a:rPr lang="en-GB" sz="2000" dirty="0"/>
-              <a:t>Remember that you need to answer as quickly and accurately as possible as you did before!</a:t>
+              <a:rPr lang="en-GB" sz="3000" dirty="0"/>
+              <a:t>It seems easy, but it is actually very difficult. Additionally, the computer will adjust the task speed based on your performance during the task; this means that sometimes, it will be difficult for you not to respond. </a:t>
             </a:r>
           </a:p>
         </p:txBody>
